--- a/Presentación1.pptx
+++ b/Presentación1.pptx
@@ -104,6 +104,11 @@
       </a:defRPr>
     </a:lvl9pPr>
   </p:defaultTextStyle>
+  <p:extLst>
+    <p:ext uri="{EFAFB233-063F-42B5-8137-9DF3F51BA10A}">
+      <p15:sldGuideLst xmlns:p15="http://schemas.microsoft.com/office/powerpoint/2012/main"/>
+    </p:ext>
+  </p:extLst>
 </p:presentation>
 </file>
 
@@ -238,7 +243,7 @@
           <a:p>
             <a:fld id="{88DDE309-5720-42FB-B61D-C5BF2C4502CA}" type="datetimeFigureOut">
               <a:rPr lang="es-PA" smtClean="0"/>
-              <a:t>06/25/2024</a:t>
+              <a:t>06/30/2024</a:t>
             </a:fld>
             <a:endParaRPr lang="es-PA"/>
           </a:p>
@@ -408,7 +413,7 @@
           <a:p>
             <a:fld id="{88DDE309-5720-42FB-B61D-C5BF2C4502CA}" type="datetimeFigureOut">
               <a:rPr lang="es-PA" smtClean="0"/>
-              <a:t>06/25/2024</a:t>
+              <a:t>06/30/2024</a:t>
             </a:fld>
             <a:endParaRPr lang="es-PA"/>
           </a:p>
@@ -588,7 +593,7 @@
           <a:p>
             <a:fld id="{88DDE309-5720-42FB-B61D-C5BF2C4502CA}" type="datetimeFigureOut">
               <a:rPr lang="es-PA" smtClean="0"/>
-              <a:t>06/25/2024</a:t>
+              <a:t>06/30/2024</a:t>
             </a:fld>
             <a:endParaRPr lang="es-PA"/>
           </a:p>
@@ -758,7 +763,7 @@
           <a:p>
             <a:fld id="{88DDE309-5720-42FB-B61D-C5BF2C4502CA}" type="datetimeFigureOut">
               <a:rPr lang="es-PA" smtClean="0"/>
-              <a:t>06/25/2024</a:t>
+              <a:t>06/30/2024</a:t>
             </a:fld>
             <a:endParaRPr lang="es-PA"/>
           </a:p>
@@ -1004,7 +1009,7 @@
           <a:p>
             <a:fld id="{88DDE309-5720-42FB-B61D-C5BF2C4502CA}" type="datetimeFigureOut">
               <a:rPr lang="es-PA" smtClean="0"/>
-              <a:t>06/25/2024</a:t>
+              <a:t>06/30/2024</a:t>
             </a:fld>
             <a:endParaRPr lang="es-PA"/>
           </a:p>
@@ -1236,7 +1241,7 @@
           <a:p>
             <a:fld id="{88DDE309-5720-42FB-B61D-C5BF2C4502CA}" type="datetimeFigureOut">
               <a:rPr lang="es-PA" smtClean="0"/>
-              <a:t>06/25/2024</a:t>
+              <a:t>06/30/2024</a:t>
             </a:fld>
             <a:endParaRPr lang="es-PA"/>
           </a:p>
@@ -1603,7 +1608,7 @@
           <a:p>
             <a:fld id="{88DDE309-5720-42FB-B61D-C5BF2C4502CA}" type="datetimeFigureOut">
               <a:rPr lang="es-PA" smtClean="0"/>
-              <a:t>06/25/2024</a:t>
+              <a:t>06/30/2024</a:t>
             </a:fld>
             <a:endParaRPr lang="es-PA"/>
           </a:p>
@@ -1721,7 +1726,7 @@
           <a:p>
             <a:fld id="{88DDE309-5720-42FB-B61D-C5BF2C4502CA}" type="datetimeFigureOut">
               <a:rPr lang="es-PA" smtClean="0"/>
-              <a:t>06/25/2024</a:t>
+              <a:t>06/30/2024</a:t>
             </a:fld>
             <a:endParaRPr lang="es-PA"/>
           </a:p>
@@ -1816,7 +1821,7 @@
           <a:p>
             <a:fld id="{88DDE309-5720-42FB-B61D-C5BF2C4502CA}" type="datetimeFigureOut">
               <a:rPr lang="es-PA" smtClean="0"/>
-              <a:t>06/25/2024</a:t>
+              <a:t>06/30/2024</a:t>
             </a:fld>
             <a:endParaRPr lang="es-PA"/>
           </a:p>
@@ -2093,7 +2098,7 @@
           <a:p>
             <a:fld id="{88DDE309-5720-42FB-B61D-C5BF2C4502CA}" type="datetimeFigureOut">
               <a:rPr lang="es-PA" smtClean="0"/>
-              <a:t>06/25/2024</a:t>
+              <a:t>06/30/2024</a:t>
             </a:fld>
             <a:endParaRPr lang="es-PA"/>
           </a:p>
@@ -2350,7 +2355,7 @@
           <a:p>
             <a:fld id="{88DDE309-5720-42FB-B61D-C5BF2C4502CA}" type="datetimeFigureOut">
               <a:rPr lang="es-PA" smtClean="0"/>
-              <a:t>06/25/2024</a:t>
+              <a:t>06/30/2024</a:t>
             </a:fld>
             <a:endParaRPr lang="es-PA"/>
           </a:p>
@@ -2563,7 +2568,7 @@
           <a:p>
             <a:fld id="{88DDE309-5720-42FB-B61D-C5BF2C4502CA}" type="datetimeFigureOut">
               <a:rPr lang="es-PA" smtClean="0"/>
-              <a:t>06/25/2024</a:t>
+              <a:t>06/30/2024</a:t>
             </a:fld>
             <a:endParaRPr lang="es-PA"/>
           </a:p>
@@ -2968,444 +2973,12 @@
           <a:chExt cx="0" cy="0"/>
         </a:xfrm>
       </p:grpSpPr>
-      <p:grpSp>
-        <p:nvGrpSpPr>
-          <p:cNvPr id="11" name="Grupo 10">
+      <p:pic>
+        <p:nvPicPr>
+          <p:cNvPr id="3" name="Imagen 2">
             <a:extLst>
               <a:ext uri="{FF2B5EF4-FFF2-40B4-BE49-F238E27FC236}">
-                <a16:creationId xmlns:a16="http://schemas.microsoft.com/office/drawing/2014/main" id="{01A29E64-F444-6560-371F-E3AD764E3C0C}"/>
-              </a:ext>
-            </a:extLst>
-          </p:cNvPr>
-          <p:cNvGrpSpPr/>
-          <p:nvPr/>
-        </p:nvGrpSpPr>
-        <p:grpSpPr>
-          <a:xfrm>
-            <a:off x="-1" y="-1"/>
-            <a:ext cx="3598921" cy="5092701"/>
-            <a:chOff x="-1" y="0"/>
-            <a:chExt cx="3598921" cy="5070764"/>
-          </a:xfrm>
-        </p:grpSpPr>
-        <p:pic>
-          <p:nvPicPr>
-            <p:cNvPr id="5" name="Imagen 4">
-              <a:extLst>
-                <a:ext uri="{FF2B5EF4-FFF2-40B4-BE49-F238E27FC236}">
-                  <a16:creationId xmlns:a16="http://schemas.microsoft.com/office/drawing/2014/main" id="{A8658863-9B08-BC0E-DCFB-EF7EF8FEBEF2}"/>
-                </a:ext>
-              </a:extLst>
-            </p:cNvPr>
-            <p:cNvPicPr>
-              <a:picLocks noChangeAspect="1"/>
-            </p:cNvPicPr>
-            <p:nvPr/>
-          </p:nvPicPr>
-          <p:blipFill>
-            <a:blip r:embed="rId2">
-              <a:extLst>
-                <a:ext uri="{28A0092B-C50C-407E-A947-70E740481C1C}">
-                  <a14:useLocalDpi xmlns:a14="http://schemas.microsoft.com/office/drawing/2010/main" val="0"/>
-                </a:ext>
-              </a:extLst>
-            </a:blip>
-            <a:stretch>
-              <a:fillRect/>
-            </a:stretch>
-          </p:blipFill>
-          <p:spPr>
-            <a:xfrm>
-              <a:off x="-1" y="0"/>
-              <a:ext cx="3598921" cy="5070764"/>
-            </a:xfrm>
-            <a:prstGeom prst="rect">
-              <a:avLst/>
-            </a:prstGeom>
-          </p:spPr>
-        </p:pic>
-        <p:pic>
-          <p:nvPicPr>
-            <p:cNvPr id="6" name="Imagen 5">
-              <a:extLst>
-                <a:ext uri="{FF2B5EF4-FFF2-40B4-BE49-F238E27FC236}">
-                  <a16:creationId xmlns:a16="http://schemas.microsoft.com/office/drawing/2014/main" id="{CF21691E-2525-EB3B-833D-92D3F2EB1345}"/>
-                </a:ext>
-              </a:extLst>
-            </p:cNvPr>
-            <p:cNvPicPr>
-              <a:picLocks noChangeAspect="1"/>
-            </p:cNvPicPr>
-            <p:nvPr/>
-          </p:nvPicPr>
-          <p:blipFill rotWithShape="1">
-            <a:blip r:embed="rId2">
-              <a:extLst>
-                <a:ext uri="{28A0092B-C50C-407E-A947-70E740481C1C}">
-                  <a14:useLocalDpi xmlns:a14="http://schemas.microsoft.com/office/drawing/2010/main" val="0"/>
-                </a:ext>
-              </a:extLst>
-            </a:blip>
-            <a:srcRect l="26632" t="44238" r="70008" b="49752"/>
-            <a:stretch/>
-          </p:blipFill>
-          <p:spPr>
-            <a:xfrm>
-              <a:off x="1080656" y="2286001"/>
-              <a:ext cx="1292250" cy="498762"/>
-            </a:xfrm>
-            <a:prstGeom prst="rect">
-              <a:avLst/>
-            </a:prstGeom>
-          </p:spPr>
-        </p:pic>
-        <p:pic>
-          <p:nvPicPr>
-            <p:cNvPr id="7" name="Imagen 6">
-              <a:extLst>
-                <a:ext uri="{FF2B5EF4-FFF2-40B4-BE49-F238E27FC236}">
-                  <a16:creationId xmlns:a16="http://schemas.microsoft.com/office/drawing/2014/main" id="{1436626D-00AA-8F21-87F8-8CD58AABD87D}"/>
-                </a:ext>
-              </a:extLst>
-            </p:cNvPr>
-            <p:cNvPicPr>
-              <a:picLocks noChangeAspect="1"/>
-            </p:cNvPicPr>
-            <p:nvPr/>
-          </p:nvPicPr>
-          <p:blipFill rotWithShape="1">
-            <a:blip r:embed="rId2">
-              <a:extLst>
-                <a:ext uri="{28A0092B-C50C-407E-A947-70E740481C1C}">
-                  <a14:useLocalDpi xmlns:a14="http://schemas.microsoft.com/office/drawing/2010/main" val="0"/>
-                </a:ext>
-              </a:extLst>
-            </a:blip>
-            <a:srcRect l="46146" t="71265" r="51368" b="26049"/>
-            <a:stretch/>
-          </p:blipFill>
-          <p:spPr>
-            <a:xfrm>
-              <a:off x="673100" y="3593508"/>
-              <a:ext cx="1053681" cy="241892"/>
-            </a:xfrm>
-            <a:prstGeom prst="rect">
-              <a:avLst/>
-            </a:prstGeom>
-          </p:spPr>
-        </p:pic>
-        <p:pic>
-          <p:nvPicPr>
-            <p:cNvPr id="8" name="Imagen 7">
-              <a:extLst>
-                <a:ext uri="{FF2B5EF4-FFF2-40B4-BE49-F238E27FC236}">
-                  <a16:creationId xmlns:a16="http://schemas.microsoft.com/office/drawing/2014/main" id="{6363D917-DE4B-2C76-5E4B-7C2BF2815B4A}"/>
-                </a:ext>
-              </a:extLst>
-            </p:cNvPr>
-            <p:cNvPicPr>
-              <a:picLocks noChangeAspect="1"/>
-            </p:cNvPicPr>
-            <p:nvPr/>
-          </p:nvPicPr>
-          <p:blipFill rotWithShape="1">
-            <a:blip r:embed="rId2">
-              <a:extLst>
-                <a:ext uri="{28A0092B-C50C-407E-A947-70E740481C1C}">
-                  <a14:useLocalDpi xmlns:a14="http://schemas.microsoft.com/office/drawing/2010/main" val="0"/>
-                </a:ext>
-              </a:extLst>
-            </a:blip>
-            <a:srcRect l="46146" t="71265" r="51368" b="26049"/>
-            <a:stretch/>
-          </p:blipFill>
-          <p:spPr>
-            <a:xfrm>
-              <a:off x="1943101" y="3593508"/>
-              <a:ext cx="603250" cy="241892"/>
-            </a:xfrm>
-            <a:prstGeom prst="rect">
-              <a:avLst/>
-            </a:prstGeom>
-          </p:spPr>
-        </p:pic>
-        <p:pic>
-          <p:nvPicPr>
-            <p:cNvPr id="9" name="Imagen 8">
-              <a:extLst>
-                <a:ext uri="{FF2B5EF4-FFF2-40B4-BE49-F238E27FC236}">
-                  <a16:creationId xmlns:a16="http://schemas.microsoft.com/office/drawing/2014/main" id="{462598C3-64DB-F9AF-F1D2-93093DC8D0BA}"/>
-                </a:ext>
-              </a:extLst>
-            </p:cNvPr>
-            <p:cNvPicPr>
-              <a:picLocks noChangeAspect="1"/>
-            </p:cNvPicPr>
-            <p:nvPr/>
-          </p:nvPicPr>
-          <p:blipFill rotWithShape="1">
-            <a:blip r:embed="rId2">
-              <a:extLst>
-                <a:ext uri="{28A0092B-C50C-407E-A947-70E740481C1C}">
-                  <a14:useLocalDpi xmlns:a14="http://schemas.microsoft.com/office/drawing/2010/main" val="0"/>
-                </a:ext>
-              </a:extLst>
-            </a:blip>
-            <a:srcRect l="46146" t="71265" r="51368" b="26049"/>
-            <a:stretch/>
-          </p:blipFill>
-          <p:spPr>
-            <a:xfrm>
-              <a:off x="673100" y="3994994"/>
-              <a:ext cx="2260600" cy="241892"/>
-            </a:xfrm>
-            <a:prstGeom prst="rect">
-              <a:avLst/>
-            </a:prstGeom>
-          </p:spPr>
-        </p:pic>
-        <p:pic>
-          <p:nvPicPr>
-            <p:cNvPr id="10" name="Imagen 9">
-              <a:extLst>
-                <a:ext uri="{FF2B5EF4-FFF2-40B4-BE49-F238E27FC236}">
-                  <a16:creationId xmlns:a16="http://schemas.microsoft.com/office/drawing/2014/main" id="{0545FB9B-1025-DDEA-6880-F3B350080E51}"/>
-                </a:ext>
-              </a:extLst>
-            </p:cNvPr>
-            <p:cNvPicPr>
-              <a:picLocks noChangeAspect="1"/>
-            </p:cNvPicPr>
-            <p:nvPr/>
-          </p:nvPicPr>
-          <p:blipFill rotWithShape="1">
-            <a:blip r:embed="rId2">
-              <a:extLst>
-                <a:ext uri="{28A0092B-C50C-407E-A947-70E740481C1C}">
-                  <a14:useLocalDpi xmlns:a14="http://schemas.microsoft.com/office/drawing/2010/main" val="0"/>
-                </a:ext>
-              </a:extLst>
-            </a:blip>
-            <a:srcRect l="46146" t="71265" r="51368" b="26049"/>
-            <a:stretch/>
-          </p:blipFill>
-          <p:spPr>
-            <a:xfrm>
-              <a:off x="947735" y="4396480"/>
-              <a:ext cx="1744665" cy="241892"/>
-            </a:xfrm>
-            <a:prstGeom prst="rect">
-              <a:avLst/>
-            </a:prstGeom>
-          </p:spPr>
-        </p:pic>
-      </p:grpSp>
-      <p:sp>
-        <p:nvSpPr>
-          <p:cNvPr id="12" name="CuadroTexto 11">
-            <a:extLst>
-              <a:ext uri="{FF2B5EF4-FFF2-40B4-BE49-F238E27FC236}">
-                <a16:creationId xmlns:a16="http://schemas.microsoft.com/office/drawing/2014/main" id="{4D3568C5-7DC4-2118-5194-B1CD3FDFCCD3}"/>
-              </a:ext>
-            </a:extLst>
-          </p:cNvPr>
-          <p:cNvSpPr txBox="1"/>
-          <p:nvPr/>
-        </p:nvSpPr>
-        <p:spPr>
-          <a:xfrm>
-            <a:off x="1153334" y="2241625"/>
-            <a:ext cx="1292250" cy="646331"/>
-          </a:xfrm>
-          <a:prstGeom prst="rect">
-            <a:avLst/>
-          </a:prstGeom>
-          <a:noFill/>
-        </p:spPr>
-        <p:txBody>
-          <a:bodyPr wrap="square" rtlCol="0">
-            <a:spAutoFit/>
-          </a:bodyPr>
-          <a:lstStyle/>
-          <a:p>
-            <a:pPr algn="ctr"/>
-            <a:r>
-              <a:rPr lang="es-PA" dirty="0">
-                <a:solidFill>
-                  <a:srgbClr val="AE9D7A"/>
-                </a:solidFill>
-                <a:latin typeface="Brush Script MT" panose="03060802040406070304" pitchFamily="66" charset="0"/>
-              </a:rPr>
-              <a:t>Monserrath Garcia</a:t>
-            </a:r>
-          </a:p>
-        </p:txBody>
-      </p:sp>
-      <p:sp>
-        <p:nvSpPr>
-          <p:cNvPr id="13" name="CuadroTexto 12">
-            <a:extLst>
-              <a:ext uri="{FF2B5EF4-FFF2-40B4-BE49-F238E27FC236}">
-                <a16:creationId xmlns:a16="http://schemas.microsoft.com/office/drawing/2014/main" id="{3A0FC56B-6CD7-7EBC-C621-EE90570C7E7C}"/>
-              </a:ext>
-            </a:extLst>
-          </p:cNvPr>
-          <p:cNvSpPr txBox="1"/>
-          <p:nvPr/>
-        </p:nvSpPr>
-        <p:spPr>
-          <a:xfrm>
-            <a:off x="553815" y="3516635"/>
-            <a:ext cx="1292250" cy="461665"/>
-          </a:xfrm>
-          <a:prstGeom prst="rect">
-            <a:avLst/>
-          </a:prstGeom>
-          <a:noFill/>
-        </p:spPr>
-        <p:txBody>
-          <a:bodyPr wrap="square" rtlCol="0">
-            <a:spAutoFit/>
-          </a:bodyPr>
-          <a:lstStyle/>
-          <a:p>
-            <a:pPr algn="ctr"/>
-            <a:r>
-              <a:rPr lang="es-PA" sz="1200" dirty="0">
-                <a:solidFill>
-                  <a:schemeClr val="tx1">
-                    <a:lumMod val="65000"/>
-                    <a:lumOff val="35000"/>
-                  </a:schemeClr>
-                </a:solidFill>
-                <a:latin typeface="Brush Script MT" panose="03060802040406070304" pitchFamily="66" charset="0"/>
-              </a:rPr>
-              <a:t>Domingo</a:t>
-            </a:r>
-          </a:p>
-          <a:p>
-            <a:pPr algn="ctr"/>
-            <a:r>
-              <a:rPr lang="es-PA" sz="1200" dirty="0">
-                <a:solidFill>
-                  <a:schemeClr val="tx1">
-                    <a:lumMod val="65000"/>
-                    <a:lumOff val="35000"/>
-                  </a:schemeClr>
-                </a:solidFill>
-                <a:latin typeface="Brush Script MT" panose="03060802040406070304" pitchFamily="66" charset="0"/>
-              </a:rPr>
-              <a:t>30 de Junio</a:t>
-            </a:r>
-          </a:p>
-        </p:txBody>
-      </p:sp>
-      <p:sp>
-        <p:nvSpPr>
-          <p:cNvPr id="14" name="CuadroTexto 13">
-            <a:extLst>
-              <a:ext uri="{FF2B5EF4-FFF2-40B4-BE49-F238E27FC236}">
-                <a16:creationId xmlns:a16="http://schemas.microsoft.com/office/drawing/2014/main" id="{54AB4300-9729-6783-CD39-703B9F89FB83}"/>
-              </a:ext>
-            </a:extLst>
-          </p:cNvPr>
-          <p:cNvSpPr txBox="1"/>
-          <p:nvPr/>
-        </p:nvSpPr>
-        <p:spPr>
-          <a:xfrm>
-            <a:off x="1741215" y="3511767"/>
-            <a:ext cx="1292250" cy="461665"/>
-          </a:xfrm>
-          <a:prstGeom prst="rect">
-            <a:avLst/>
-          </a:prstGeom>
-          <a:noFill/>
-        </p:spPr>
-        <p:txBody>
-          <a:bodyPr wrap="square" rtlCol="0">
-            <a:spAutoFit/>
-          </a:bodyPr>
-          <a:lstStyle/>
-          <a:p>
-            <a:pPr algn="ctr"/>
-            <a:r>
-              <a:rPr lang="es-PA" sz="1200" dirty="0">
-                <a:solidFill>
-                  <a:schemeClr val="tx1">
-                    <a:lumMod val="65000"/>
-                    <a:lumOff val="35000"/>
-                  </a:schemeClr>
-                </a:solidFill>
-                <a:latin typeface="Brush Script MT" panose="03060802040406070304" pitchFamily="66" charset="0"/>
-              </a:rPr>
-              <a:t>Hora</a:t>
-            </a:r>
-          </a:p>
-          <a:p>
-            <a:pPr algn="ctr"/>
-            <a:r>
-              <a:rPr lang="es-PA" sz="1200" dirty="0">
-                <a:solidFill>
-                  <a:schemeClr val="tx1">
-                    <a:lumMod val="65000"/>
-                    <a:lumOff val="35000"/>
-                  </a:schemeClr>
-                </a:solidFill>
-                <a:latin typeface="Brush Script MT" panose="03060802040406070304" pitchFamily="66" charset="0"/>
-              </a:rPr>
-              <a:t>10:30 am</a:t>
-            </a:r>
-          </a:p>
-        </p:txBody>
-      </p:sp>
-      <p:sp>
-        <p:nvSpPr>
-          <p:cNvPr id="15" name="CuadroTexto 14">
-            <a:extLst>
-              <a:ext uri="{FF2B5EF4-FFF2-40B4-BE49-F238E27FC236}">
-                <a16:creationId xmlns:a16="http://schemas.microsoft.com/office/drawing/2014/main" id="{2CF7020A-0D4E-9AE7-0D93-EB1B26A4B4DD}"/>
-              </a:ext>
-            </a:extLst>
-          </p:cNvPr>
-          <p:cNvSpPr txBox="1"/>
-          <p:nvPr/>
-        </p:nvSpPr>
-        <p:spPr>
-          <a:xfrm>
-            <a:off x="810274" y="3973432"/>
-            <a:ext cx="2019585" cy="276999"/>
-          </a:xfrm>
-          <a:prstGeom prst="rect">
-            <a:avLst/>
-          </a:prstGeom>
-          <a:noFill/>
-        </p:spPr>
-        <p:txBody>
-          <a:bodyPr wrap="square" rtlCol="0">
-            <a:spAutoFit/>
-          </a:bodyPr>
-          <a:lstStyle/>
-          <a:p>
-            <a:pPr algn="ctr"/>
-            <a:r>
-              <a:rPr lang="es-PA" sz="1200" dirty="0">
-                <a:solidFill>
-                  <a:srgbClr val="AE9D7A"/>
-                </a:solidFill>
-                <a:latin typeface="Brush Script MT" panose="03060802040406070304" pitchFamily="66" charset="0"/>
-              </a:rPr>
-              <a:t>Parroquia San José Obrero</a:t>
-            </a:r>
-          </a:p>
-        </p:txBody>
-      </p:sp>
-      <p:pic>
-        <p:nvPicPr>
-          <p:cNvPr id="17" name="Imagen 16">
-            <a:extLst>
-              <a:ext uri="{FF2B5EF4-FFF2-40B4-BE49-F238E27FC236}">
-                <a16:creationId xmlns:a16="http://schemas.microsoft.com/office/drawing/2014/main" id="{A122D96C-97E3-6FD7-AC03-F927CE6B495D}"/>
+                <a16:creationId xmlns:a16="http://schemas.microsoft.com/office/drawing/2014/main" id="{263E909D-A332-7624-D835-2E28C45F7734}"/>
               </a:ext>
             </a:extLst>
           </p:cNvPr>
@@ -3414,7 +2987,7 @@
           </p:cNvPicPr>
           <p:nvPr/>
         </p:nvPicPr>
-        <p:blipFill rotWithShape="1">
+        <p:blipFill>
           <a:blip r:embed="rId2">
             <a:extLst>
               <a:ext uri="{28A0092B-C50C-407E-A947-70E740481C1C}">
@@ -3422,60 +2995,20 @@
               </a:ext>
             </a:extLst>
           </a:blip>
-          <a:srcRect l="26632" t="44238" r="70008" b="49752"/>
-          <a:stretch/>
+          <a:stretch>
+            <a:fillRect/>
+          </a:stretch>
         </p:blipFill>
         <p:spPr>
           <a:xfrm>
-            <a:off x="1066368" y="1706729"/>
-            <a:ext cx="1410131" cy="500920"/>
+            <a:off x="0" y="0"/>
+            <a:ext cx="3600450" cy="5400675"/>
           </a:xfrm>
           <a:prstGeom prst="rect">
             <a:avLst/>
           </a:prstGeom>
         </p:spPr>
       </p:pic>
-      <p:sp>
-        <p:nvSpPr>
-          <p:cNvPr id="18" name="CuadroTexto 17">
-            <a:extLst>
-              <a:ext uri="{FF2B5EF4-FFF2-40B4-BE49-F238E27FC236}">
-                <a16:creationId xmlns:a16="http://schemas.microsoft.com/office/drawing/2014/main" id="{A67B8688-2836-3BF0-EFD1-7FAD0F11342E}"/>
-              </a:ext>
-            </a:extLst>
-          </p:cNvPr>
-          <p:cNvSpPr txBox="1"/>
-          <p:nvPr/>
-        </p:nvSpPr>
-        <p:spPr>
-          <a:xfrm>
-            <a:off x="905159" y="1773504"/>
-            <a:ext cx="1880131" cy="461665"/>
-          </a:xfrm>
-          <a:prstGeom prst="rect">
-            <a:avLst/>
-          </a:prstGeom>
-          <a:noFill/>
-        </p:spPr>
-        <p:txBody>
-          <a:bodyPr wrap="square" rtlCol="0">
-            <a:spAutoFit/>
-          </a:bodyPr>
-          <a:lstStyle/>
-          <a:p>
-            <a:pPr algn="ctr"/>
-            <a:r>
-              <a:rPr lang="es-PA" sz="2400" dirty="0">
-                <a:solidFill>
-                  <a:srgbClr val="AE9D7A"/>
-                </a:solidFill>
-                <a:latin typeface="Brush Script MT" panose="03060802040406070304" pitchFamily="66" charset="0"/>
-              </a:rPr>
-              <a:t>Mi Confirmación</a:t>
-            </a:r>
-          </a:p>
-        </p:txBody>
-      </p:sp>
     </p:spTree>
     <p:extLst>
       <p:ext uri="{BB962C8B-B14F-4D97-AF65-F5344CB8AC3E}">

--- a/Presentación1.pptx
+++ b/Presentación1.pptx
@@ -2,12 +2,12 @@
 <file path=ppt/presentation.xml><?xml version="1.0" encoding="utf-8"?>
 <p:presentation xmlns:a="http://schemas.openxmlformats.org/drawingml/2006/main" xmlns:r="http://schemas.openxmlformats.org/officeDocument/2006/relationships" xmlns:p="http://schemas.openxmlformats.org/presentationml/2006/main" saveSubsetFonts="1">
   <p:sldMasterIdLst>
-    <p:sldMasterId id="2147483672" r:id="rId1"/>
+    <p:sldMasterId id="2147483684" r:id="rId1"/>
   </p:sldMasterIdLst>
   <p:sldIdLst>
     <p:sldId id="256" r:id="rId2"/>
   </p:sldIdLst>
-  <p:sldSz cx="3600450" cy="5400675"/>
+  <p:sldSz cx="3600450" cy="6480175"/>
   <p:notesSz cx="6858000" cy="9144000"/>
   <p:defaultTextStyle>
     <a:defPPr>
@@ -141,8 +141,8 @@
         </p:nvSpPr>
         <p:spPr>
           <a:xfrm>
-            <a:off x="270034" y="883861"/>
-            <a:ext cx="3060383" cy="1880235"/>
+            <a:off x="270034" y="1060529"/>
+            <a:ext cx="3060383" cy="2256061"/>
           </a:xfrm>
         </p:spPr>
         <p:txBody>
@@ -173,8 +173,8 @@
         </p:nvSpPr>
         <p:spPr>
           <a:xfrm>
-            <a:off x="450056" y="2836605"/>
-            <a:ext cx="2700338" cy="1303913"/>
+            <a:off x="450056" y="3403592"/>
+            <a:ext cx="2700338" cy="1564542"/>
           </a:xfrm>
         </p:spPr>
         <p:txBody>
@@ -294,7 +294,7 @@
     </p:spTree>
     <p:extLst>
       <p:ext uri="{BB962C8B-B14F-4D97-AF65-F5344CB8AC3E}">
-        <p14:creationId xmlns:p14="http://schemas.microsoft.com/office/powerpoint/2010/main" val="2639713128"/>
+        <p14:creationId xmlns:p14="http://schemas.microsoft.com/office/powerpoint/2010/main" val="1574554878"/>
       </p:ext>
     </p:extLst>
   </p:cSld>
@@ -464,7 +464,7 @@
     </p:spTree>
     <p:extLst>
       <p:ext uri="{BB962C8B-B14F-4D97-AF65-F5344CB8AC3E}">
-        <p14:creationId xmlns:p14="http://schemas.microsoft.com/office/powerpoint/2010/main" val="895051951"/>
+        <p14:creationId xmlns:p14="http://schemas.microsoft.com/office/powerpoint/2010/main" val="1890622645"/>
       </p:ext>
     </p:extLst>
   </p:cSld>
@@ -503,8 +503,8 @@
         </p:nvSpPr>
         <p:spPr>
           <a:xfrm>
-            <a:off x="2576572" y="287536"/>
-            <a:ext cx="776347" cy="4576822"/>
+            <a:off x="2576572" y="345009"/>
+            <a:ext cx="776347" cy="5491649"/>
           </a:xfrm>
         </p:spPr>
         <p:txBody>
@@ -531,8 +531,8 @@
         </p:nvSpPr>
         <p:spPr>
           <a:xfrm>
-            <a:off x="247531" y="287536"/>
-            <a:ext cx="2284035" cy="4576822"/>
+            <a:off x="247531" y="345009"/>
+            <a:ext cx="2284035" cy="5491649"/>
           </a:xfrm>
         </p:spPr>
         <p:txBody>
@@ -644,7 +644,7 @@
     </p:spTree>
     <p:extLst>
       <p:ext uri="{BB962C8B-B14F-4D97-AF65-F5344CB8AC3E}">
-        <p14:creationId xmlns:p14="http://schemas.microsoft.com/office/powerpoint/2010/main" val="3474345620"/>
+        <p14:creationId xmlns:p14="http://schemas.microsoft.com/office/powerpoint/2010/main" val="4088943510"/>
       </p:ext>
     </p:extLst>
   </p:cSld>
@@ -814,7 +814,7 @@
     </p:spTree>
     <p:extLst>
       <p:ext uri="{BB962C8B-B14F-4D97-AF65-F5344CB8AC3E}">
-        <p14:creationId xmlns:p14="http://schemas.microsoft.com/office/powerpoint/2010/main" val="2096047895"/>
+        <p14:creationId xmlns:p14="http://schemas.microsoft.com/office/powerpoint/2010/main" val="2606770703"/>
       </p:ext>
     </p:extLst>
   </p:cSld>
@@ -853,8 +853,8 @@
         </p:nvSpPr>
         <p:spPr>
           <a:xfrm>
-            <a:off x="245656" y="1346420"/>
-            <a:ext cx="3105388" cy="2246530"/>
+            <a:off x="245656" y="1615546"/>
+            <a:ext cx="3105388" cy="2695572"/>
           </a:xfrm>
         </p:spPr>
         <p:txBody>
@@ -885,8 +885,8 @@
         </p:nvSpPr>
         <p:spPr>
           <a:xfrm>
-            <a:off x="245656" y="3614203"/>
-            <a:ext cx="3105388" cy="1181397"/>
+            <a:off x="245656" y="4336619"/>
+            <a:ext cx="3105388" cy="1417538"/>
           </a:xfrm>
         </p:spPr>
         <p:txBody>
@@ -1060,7 +1060,7 @@
     </p:spTree>
     <p:extLst>
       <p:ext uri="{BB962C8B-B14F-4D97-AF65-F5344CB8AC3E}">
-        <p14:creationId xmlns:p14="http://schemas.microsoft.com/office/powerpoint/2010/main" val="1740343332"/>
+        <p14:creationId xmlns:p14="http://schemas.microsoft.com/office/powerpoint/2010/main" val="2179489952"/>
       </p:ext>
     </p:extLst>
   </p:cSld>
@@ -1122,8 +1122,8 @@
         </p:nvSpPr>
         <p:spPr>
           <a:xfrm>
-            <a:off x="247531" y="1437680"/>
-            <a:ext cx="1530191" cy="3426679"/>
+            <a:off x="247531" y="1725046"/>
+            <a:ext cx="1530191" cy="4111612"/>
           </a:xfrm>
         </p:spPr>
         <p:txBody>
@@ -1179,8 +1179,8 @@
         </p:nvSpPr>
         <p:spPr>
           <a:xfrm>
-            <a:off x="1822728" y="1437680"/>
-            <a:ext cx="1530191" cy="3426679"/>
+            <a:off x="1822728" y="1725046"/>
+            <a:ext cx="1530191" cy="4111612"/>
           </a:xfrm>
         </p:spPr>
         <p:txBody>
@@ -1292,7 +1292,7 @@
     </p:spTree>
     <p:extLst>
       <p:ext uri="{BB962C8B-B14F-4D97-AF65-F5344CB8AC3E}">
-        <p14:creationId xmlns:p14="http://schemas.microsoft.com/office/powerpoint/2010/main" val="4274856916"/>
+        <p14:creationId xmlns:p14="http://schemas.microsoft.com/office/powerpoint/2010/main" val="555385546"/>
       </p:ext>
     </p:extLst>
   </p:cSld>
@@ -1331,8 +1331,8 @@
         </p:nvSpPr>
         <p:spPr>
           <a:xfrm>
-            <a:off x="248000" y="287537"/>
-            <a:ext cx="3105388" cy="1043881"/>
+            <a:off x="248000" y="345011"/>
+            <a:ext cx="3105388" cy="1252534"/>
           </a:xfrm>
         </p:spPr>
         <p:txBody>
@@ -1359,8 +1359,8 @@
         </p:nvSpPr>
         <p:spPr>
           <a:xfrm>
-            <a:off x="248000" y="1323916"/>
-            <a:ext cx="1523159" cy="648831"/>
+            <a:off x="248000" y="1588543"/>
+            <a:ext cx="1523159" cy="778521"/>
           </a:xfrm>
         </p:spPr>
         <p:txBody>
@@ -1424,8 +1424,8 @@
         </p:nvSpPr>
         <p:spPr>
           <a:xfrm>
-            <a:off x="248000" y="1972747"/>
-            <a:ext cx="1523159" cy="2901613"/>
+            <a:off x="248000" y="2367064"/>
+            <a:ext cx="1523159" cy="3481594"/>
           </a:xfrm>
         </p:spPr>
         <p:txBody>
@@ -1481,8 +1481,8 @@
         </p:nvSpPr>
         <p:spPr>
           <a:xfrm>
-            <a:off x="1822728" y="1323916"/>
-            <a:ext cx="1530660" cy="648831"/>
+            <a:off x="1822728" y="1588543"/>
+            <a:ext cx="1530660" cy="778521"/>
           </a:xfrm>
         </p:spPr>
         <p:txBody>
@@ -1546,8 +1546,8 @@
         </p:nvSpPr>
         <p:spPr>
           <a:xfrm>
-            <a:off x="1822728" y="1972747"/>
-            <a:ext cx="1530660" cy="2901613"/>
+            <a:off x="1822728" y="2367064"/>
+            <a:ext cx="1530660" cy="3481594"/>
           </a:xfrm>
         </p:spPr>
         <p:txBody>
@@ -1659,7 +1659,7 @@
     </p:spTree>
     <p:extLst>
       <p:ext uri="{BB962C8B-B14F-4D97-AF65-F5344CB8AC3E}">
-        <p14:creationId xmlns:p14="http://schemas.microsoft.com/office/powerpoint/2010/main" val="882821779"/>
+        <p14:creationId xmlns:p14="http://schemas.microsoft.com/office/powerpoint/2010/main" val="3930156607"/>
       </p:ext>
     </p:extLst>
   </p:cSld>
@@ -1777,7 +1777,7 @@
     </p:spTree>
     <p:extLst>
       <p:ext uri="{BB962C8B-B14F-4D97-AF65-F5344CB8AC3E}">
-        <p14:creationId xmlns:p14="http://schemas.microsoft.com/office/powerpoint/2010/main" val="3445044249"/>
+        <p14:creationId xmlns:p14="http://schemas.microsoft.com/office/powerpoint/2010/main" val="2904224700"/>
       </p:ext>
     </p:extLst>
   </p:cSld>
@@ -1872,7 +1872,7 @@
     </p:spTree>
     <p:extLst>
       <p:ext uri="{BB962C8B-B14F-4D97-AF65-F5344CB8AC3E}">
-        <p14:creationId xmlns:p14="http://schemas.microsoft.com/office/powerpoint/2010/main" val="275370355"/>
+        <p14:creationId xmlns:p14="http://schemas.microsoft.com/office/powerpoint/2010/main" val="3613596268"/>
       </p:ext>
     </p:extLst>
   </p:cSld>
@@ -1911,8 +1911,8 @@
         </p:nvSpPr>
         <p:spPr>
           <a:xfrm>
-            <a:off x="248000" y="360045"/>
-            <a:ext cx="1161239" cy="1260158"/>
+            <a:off x="248000" y="432012"/>
+            <a:ext cx="1161239" cy="1512041"/>
           </a:xfrm>
         </p:spPr>
         <p:txBody>
@@ -1943,8 +1943,8 @@
         </p:nvSpPr>
         <p:spPr>
           <a:xfrm>
-            <a:off x="1530660" y="777598"/>
-            <a:ext cx="1822728" cy="3837980"/>
+            <a:off x="1530660" y="933027"/>
+            <a:ext cx="1822728" cy="4605124"/>
           </a:xfrm>
         </p:spPr>
         <p:txBody>
@@ -2028,8 +2028,8 @@
         </p:nvSpPr>
         <p:spPr>
           <a:xfrm>
-            <a:off x="248000" y="1620202"/>
-            <a:ext cx="1161239" cy="3001626"/>
+            <a:off x="248000" y="1944052"/>
+            <a:ext cx="1161239" cy="3601598"/>
           </a:xfrm>
         </p:spPr>
         <p:txBody>
@@ -2149,7 +2149,7 @@
     </p:spTree>
     <p:extLst>
       <p:ext uri="{BB962C8B-B14F-4D97-AF65-F5344CB8AC3E}">
-        <p14:creationId xmlns:p14="http://schemas.microsoft.com/office/powerpoint/2010/main" val="2968218071"/>
+        <p14:creationId xmlns:p14="http://schemas.microsoft.com/office/powerpoint/2010/main" val="1343210912"/>
       </p:ext>
     </p:extLst>
   </p:cSld>
@@ -2188,8 +2188,8 @@
         </p:nvSpPr>
         <p:spPr>
           <a:xfrm>
-            <a:off x="248000" y="360045"/>
-            <a:ext cx="1161239" cy="1260158"/>
+            <a:off x="248000" y="432012"/>
+            <a:ext cx="1161239" cy="1512041"/>
           </a:xfrm>
         </p:spPr>
         <p:txBody>
@@ -2220,8 +2220,8 @@
         </p:nvSpPr>
         <p:spPr>
           <a:xfrm>
-            <a:off x="1530660" y="777598"/>
-            <a:ext cx="1822728" cy="3837980"/>
+            <a:off x="1530660" y="933027"/>
+            <a:ext cx="1822728" cy="4605124"/>
           </a:xfrm>
         </p:spPr>
         <p:txBody>
@@ -2285,8 +2285,8 @@
         </p:nvSpPr>
         <p:spPr>
           <a:xfrm>
-            <a:off x="248000" y="1620202"/>
-            <a:ext cx="1161239" cy="3001626"/>
+            <a:off x="248000" y="1944052"/>
+            <a:ext cx="1161239" cy="3601598"/>
           </a:xfrm>
         </p:spPr>
         <p:txBody>
@@ -2406,7 +2406,7 @@
     </p:spTree>
     <p:extLst>
       <p:ext uri="{BB962C8B-B14F-4D97-AF65-F5344CB8AC3E}">
-        <p14:creationId xmlns:p14="http://schemas.microsoft.com/office/powerpoint/2010/main" val="2788984985"/>
+        <p14:creationId xmlns:p14="http://schemas.microsoft.com/office/powerpoint/2010/main" val="574410958"/>
       </p:ext>
     </p:extLst>
   </p:cSld>
@@ -2450,8 +2450,8 @@
         </p:nvSpPr>
         <p:spPr>
           <a:xfrm>
-            <a:off x="247531" y="287537"/>
-            <a:ext cx="3105388" cy="1043881"/>
+            <a:off x="247531" y="345011"/>
+            <a:ext cx="3105388" cy="1252534"/>
           </a:xfrm>
           <a:prstGeom prst="rect">
             <a:avLst/>
@@ -2483,8 +2483,8 @@
         </p:nvSpPr>
         <p:spPr>
           <a:xfrm>
-            <a:off x="247531" y="1437680"/>
-            <a:ext cx="3105388" cy="3426679"/>
+            <a:off x="247531" y="1725046"/>
+            <a:ext cx="3105388" cy="4111612"/>
           </a:xfrm>
           <a:prstGeom prst="rect">
             <a:avLst/>
@@ -2545,8 +2545,8 @@
         </p:nvSpPr>
         <p:spPr>
           <a:xfrm>
-            <a:off x="247531" y="5005627"/>
-            <a:ext cx="810101" cy="287536"/>
+            <a:off x="247531" y="6006164"/>
+            <a:ext cx="810101" cy="345009"/>
           </a:xfrm>
           <a:prstGeom prst="rect">
             <a:avLst/>
@@ -2586,8 +2586,8 @@
         </p:nvSpPr>
         <p:spPr>
           <a:xfrm>
-            <a:off x="1192649" y="5005627"/>
-            <a:ext cx="1215152" cy="287536"/>
+            <a:off x="1192649" y="6006164"/>
+            <a:ext cx="1215152" cy="345009"/>
           </a:xfrm>
           <a:prstGeom prst="rect">
             <a:avLst/>
@@ -2623,8 +2623,8 @@
         </p:nvSpPr>
         <p:spPr>
           <a:xfrm>
-            <a:off x="2542818" y="5005627"/>
-            <a:ext cx="810101" cy="287536"/>
+            <a:off x="2542818" y="6006164"/>
+            <a:ext cx="810101" cy="345009"/>
           </a:xfrm>
           <a:prstGeom prst="rect">
             <a:avLst/>
@@ -2655,23 +2655,23 @@
     </p:spTree>
     <p:extLst>
       <p:ext uri="{BB962C8B-B14F-4D97-AF65-F5344CB8AC3E}">
-        <p14:creationId xmlns:p14="http://schemas.microsoft.com/office/powerpoint/2010/main" val="378544293"/>
+        <p14:creationId xmlns:p14="http://schemas.microsoft.com/office/powerpoint/2010/main" val="2694246085"/>
       </p:ext>
     </p:extLst>
   </p:cSld>
   <p:clrMap bg1="lt1" tx1="dk1" bg2="lt2" tx2="dk2" accent1="accent1" accent2="accent2" accent3="accent3" accent4="accent4" accent5="accent5" accent6="accent6" hlink="hlink" folHlink="folHlink"/>
   <p:sldLayoutIdLst>
-    <p:sldLayoutId id="2147483673" r:id="rId1"/>
-    <p:sldLayoutId id="2147483674" r:id="rId2"/>
-    <p:sldLayoutId id="2147483675" r:id="rId3"/>
-    <p:sldLayoutId id="2147483676" r:id="rId4"/>
-    <p:sldLayoutId id="2147483677" r:id="rId5"/>
-    <p:sldLayoutId id="2147483678" r:id="rId6"/>
-    <p:sldLayoutId id="2147483679" r:id="rId7"/>
-    <p:sldLayoutId id="2147483680" r:id="rId8"/>
-    <p:sldLayoutId id="2147483681" r:id="rId9"/>
-    <p:sldLayoutId id="2147483682" r:id="rId10"/>
-    <p:sldLayoutId id="2147483683" r:id="rId11"/>
+    <p:sldLayoutId id="2147483685" r:id="rId1"/>
+    <p:sldLayoutId id="2147483686" r:id="rId2"/>
+    <p:sldLayoutId id="2147483687" r:id="rId3"/>
+    <p:sldLayoutId id="2147483688" r:id="rId4"/>
+    <p:sldLayoutId id="2147483689" r:id="rId5"/>
+    <p:sldLayoutId id="2147483690" r:id="rId6"/>
+    <p:sldLayoutId id="2147483691" r:id="rId7"/>
+    <p:sldLayoutId id="2147483692" r:id="rId8"/>
+    <p:sldLayoutId id="2147483693" r:id="rId9"/>
+    <p:sldLayoutId id="2147483694" r:id="rId10"/>
+    <p:sldLayoutId id="2147483695" r:id="rId11"/>
   </p:sldLayoutIdLst>
   <p:txStyles>
     <p:titleStyle>
@@ -3001,8 +3001,8 @@
         </p:blipFill>
         <p:spPr>
           <a:xfrm>
-            <a:off x="0" y="0"/>
-            <a:ext cx="3600450" cy="5400675"/>
+            <a:off x="-359834" y="1"/>
+            <a:ext cx="4320117" cy="6480175"/>
           </a:xfrm>
           <a:prstGeom prst="rect">
             <a:avLst/>

--- a/Presentación1.pptx
+++ b/Presentación1.pptx
@@ -2,7 +2,7 @@
 <file path=ppt/presentation.xml><?xml version="1.0" encoding="utf-8"?>
 <p:presentation xmlns:a="http://schemas.openxmlformats.org/drawingml/2006/main" xmlns:r="http://schemas.openxmlformats.org/officeDocument/2006/relationships" xmlns:p="http://schemas.openxmlformats.org/presentationml/2006/main" saveSubsetFonts="1">
   <p:sldMasterIdLst>
-    <p:sldMasterId id="2147483684" r:id="rId1"/>
+    <p:sldMasterId id="2147483708" r:id="rId1"/>
   </p:sldMasterIdLst>
   <p:sldIdLst>
     <p:sldId id="256" r:id="rId2"/>
@@ -243,7 +243,7 @@
           <a:p>
             <a:fld id="{88DDE309-5720-42FB-B61D-C5BF2C4502CA}" type="datetimeFigureOut">
               <a:rPr lang="es-PA" smtClean="0"/>
-              <a:t>06/30/2024</a:t>
+              <a:t>07/07/2024</a:t>
             </a:fld>
             <a:endParaRPr lang="es-PA"/>
           </a:p>
@@ -294,7 +294,7 @@
     </p:spTree>
     <p:extLst>
       <p:ext uri="{BB962C8B-B14F-4D97-AF65-F5344CB8AC3E}">
-        <p14:creationId xmlns:p14="http://schemas.microsoft.com/office/powerpoint/2010/main" val="1574554878"/>
+        <p14:creationId xmlns:p14="http://schemas.microsoft.com/office/powerpoint/2010/main" val="1485060113"/>
       </p:ext>
     </p:extLst>
   </p:cSld>
@@ -413,7 +413,7 @@
           <a:p>
             <a:fld id="{88DDE309-5720-42FB-B61D-C5BF2C4502CA}" type="datetimeFigureOut">
               <a:rPr lang="es-PA" smtClean="0"/>
-              <a:t>06/30/2024</a:t>
+              <a:t>07/07/2024</a:t>
             </a:fld>
             <a:endParaRPr lang="es-PA"/>
           </a:p>
@@ -464,7 +464,7 @@
     </p:spTree>
     <p:extLst>
       <p:ext uri="{BB962C8B-B14F-4D97-AF65-F5344CB8AC3E}">
-        <p14:creationId xmlns:p14="http://schemas.microsoft.com/office/powerpoint/2010/main" val="1890622645"/>
+        <p14:creationId xmlns:p14="http://schemas.microsoft.com/office/powerpoint/2010/main" val="3619956463"/>
       </p:ext>
     </p:extLst>
   </p:cSld>
@@ -593,7 +593,7 @@
           <a:p>
             <a:fld id="{88DDE309-5720-42FB-B61D-C5BF2C4502CA}" type="datetimeFigureOut">
               <a:rPr lang="es-PA" smtClean="0"/>
-              <a:t>06/30/2024</a:t>
+              <a:t>07/07/2024</a:t>
             </a:fld>
             <a:endParaRPr lang="es-PA"/>
           </a:p>
@@ -644,7 +644,7 @@
     </p:spTree>
     <p:extLst>
       <p:ext uri="{BB962C8B-B14F-4D97-AF65-F5344CB8AC3E}">
-        <p14:creationId xmlns:p14="http://schemas.microsoft.com/office/powerpoint/2010/main" val="4088943510"/>
+        <p14:creationId xmlns:p14="http://schemas.microsoft.com/office/powerpoint/2010/main" val="376171346"/>
       </p:ext>
     </p:extLst>
   </p:cSld>
@@ -763,7 +763,7 @@
           <a:p>
             <a:fld id="{88DDE309-5720-42FB-B61D-C5BF2C4502CA}" type="datetimeFigureOut">
               <a:rPr lang="es-PA" smtClean="0"/>
-              <a:t>06/30/2024</a:t>
+              <a:t>07/07/2024</a:t>
             </a:fld>
             <a:endParaRPr lang="es-PA"/>
           </a:p>
@@ -814,7 +814,7 @@
     </p:spTree>
     <p:extLst>
       <p:ext uri="{BB962C8B-B14F-4D97-AF65-F5344CB8AC3E}">
-        <p14:creationId xmlns:p14="http://schemas.microsoft.com/office/powerpoint/2010/main" val="2606770703"/>
+        <p14:creationId xmlns:p14="http://schemas.microsoft.com/office/powerpoint/2010/main" val="1980713281"/>
       </p:ext>
     </p:extLst>
   </p:cSld>
@@ -1009,7 +1009,7 @@
           <a:p>
             <a:fld id="{88DDE309-5720-42FB-B61D-C5BF2C4502CA}" type="datetimeFigureOut">
               <a:rPr lang="es-PA" smtClean="0"/>
-              <a:t>06/30/2024</a:t>
+              <a:t>07/07/2024</a:t>
             </a:fld>
             <a:endParaRPr lang="es-PA"/>
           </a:p>
@@ -1060,7 +1060,7 @@
     </p:spTree>
     <p:extLst>
       <p:ext uri="{BB962C8B-B14F-4D97-AF65-F5344CB8AC3E}">
-        <p14:creationId xmlns:p14="http://schemas.microsoft.com/office/powerpoint/2010/main" val="2179489952"/>
+        <p14:creationId xmlns:p14="http://schemas.microsoft.com/office/powerpoint/2010/main" val="1376918130"/>
       </p:ext>
     </p:extLst>
   </p:cSld>
@@ -1241,7 +1241,7 @@
           <a:p>
             <a:fld id="{88DDE309-5720-42FB-B61D-C5BF2C4502CA}" type="datetimeFigureOut">
               <a:rPr lang="es-PA" smtClean="0"/>
-              <a:t>06/30/2024</a:t>
+              <a:t>07/07/2024</a:t>
             </a:fld>
             <a:endParaRPr lang="es-PA"/>
           </a:p>
@@ -1292,7 +1292,7 @@
     </p:spTree>
     <p:extLst>
       <p:ext uri="{BB962C8B-B14F-4D97-AF65-F5344CB8AC3E}">
-        <p14:creationId xmlns:p14="http://schemas.microsoft.com/office/powerpoint/2010/main" val="555385546"/>
+        <p14:creationId xmlns:p14="http://schemas.microsoft.com/office/powerpoint/2010/main" val="655108412"/>
       </p:ext>
     </p:extLst>
   </p:cSld>
@@ -1608,7 +1608,7 @@
           <a:p>
             <a:fld id="{88DDE309-5720-42FB-B61D-C5BF2C4502CA}" type="datetimeFigureOut">
               <a:rPr lang="es-PA" smtClean="0"/>
-              <a:t>06/30/2024</a:t>
+              <a:t>07/07/2024</a:t>
             </a:fld>
             <a:endParaRPr lang="es-PA"/>
           </a:p>
@@ -1659,7 +1659,7 @@
     </p:spTree>
     <p:extLst>
       <p:ext uri="{BB962C8B-B14F-4D97-AF65-F5344CB8AC3E}">
-        <p14:creationId xmlns:p14="http://schemas.microsoft.com/office/powerpoint/2010/main" val="3930156607"/>
+        <p14:creationId xmlns:p14="http://schemas.microsoft.com/office/powerpoint/2010/main" val="2651272897"/>
       </p:ext>
     </p:extLst>
   </p:cSld>
@@ -1726,7 +1726,7 @@
           <a:p>
             <a:fld id="{88DDE309-5720-42FB-B61D-C5BF2C4502CA}" type="datetimeFigureOut">
               <a:rPr lang="es-PA" smtClean="0"/>
-              <a:t>06/30/2024</a:t>
+              <a:t>07/07/2024</a:t>
             </a:fld>
             <a:endParaRPr lang="es-PA"/>
           </a:p>
@@ -1777,7 +1777,7 @@
     </p:spTree>
     <p:extLst>
       <p:ext uri="{BB962C8B-B14F-4D97-AF65-F5344CB8AC3E}">
-        <p14:creationId xmlns:p14="http://schemas.microsoft.com/office/powerpoint/2010/main" val="2904224700"/>
+        <p14:creationId xmlns:p14="http://schemas.microsoft.com/office/powerpoint/2010/main" val="3782574049"/>
       </p:ext>
     </p:extLst>
   </p:cSld>
@@ -1821,7 +1821,7 @@
           <a:p>
             <a:fld id="{88DDE309-5720-42FB-B61D-C5BF2C4502CA}" type="datetimeFigureOut">
               <a:rPr lang="es-PA" smtClean="0"/>
-              <a:t>06/30/2024</a:t>
+              <a:t>07/07/2024</a:t>
             </a:fld>
             <a:endParaRPr lang="es-PA"/>
           </a:p>
@@ -1872,7 +1872,7 @@
     </p:spTree>
     <p:extLst>
       <p:ext uri="{BB962C8B-B14F-4D97-AF65-F5344CB8AC3E}">
-        <p14:creationId xmlns:p14="http://schemas.microsoft.com/office/powerpoint/2010/main" val="3613596268"/>
+        <p14:creationId xmlns:p14="http://schemas.microsoft.com/office/powerpoint/2010/main" val="3873785643"/>
       </p:ext>
     </p:extLst>
   </p:cSld>
@@ -2098,7 +2098,7 @@
           <a:p>
             <a:fld id="{88DDE309-5720-42FB-B61D-C5BF2C4502CA}" type="datetimeFigureOut">
               <a:rPr lang="es-PA" smtClean="0"/>
-              <a:t>06/30/2024</a:t>
+              <a:t>07/07/2024</a:t>
             </a:fld>
             <a:endParaRPr lang="es-PA"/>
           </a:p>
@@ -2149,7 +2149,7 @@
     </p:spTree>
     <p:extLst>
       <p:ext uri="{BB962C8B-B14F-4D97-AF65-F5344CB8AC3E}">
-        <p14:creationId xmlns:p14="http://schemas.microsoft.com/office/powerpoint/2010/main" val="1343210912"/>
+        <p14:creationId xmlns:p14="http://schemas.microsoft.com/office/powerpoint/2010/main" val="1372436972"/>
       </p:ext>
     </p:extLst>
   </p:cSld>
@@ -2355,7 +2355,7 @@
           <a:p>
             <a:fld id="{88DDE309-5720-42FB-B61D-C5BF2C4502CA}" type="datetimeFigureOut">
               <a:rPr lang="es-PA" smtClean="0"/>
-              <a:t>06/30/2024</a:t>
+              <a:t>07/07/2024</a:t>
             </a:fld>
             <a:endParaRPr lang="es-PA"/>
           </a:p>
@@ -2406,7 +2406,7 @@
     </p:spTree>
     <p:extLst>
       <p:ext uri="{BB962C8B-B14F-4D97-AF65-F5344CB8AC3E}">
-        <p14:creationId xmlns:p14="http://schemas.microsoft.com/office/powerpoint/2010/main" val="574410958"/>
+        <p14:creationId xmlns:p14="http://schemas.microsoft.com/office/powerpoint/2010/main" val="3941885776"/>
       </p:ext>
     </p:extLst>
   </p:cSld>
@@ -2568,7 +2568,7 @@
           <a:p>
             <a:fld id="{88DDE309-5720-42FB-B61D-C5BF2C4502CA}" type="datetimeFigureOut">
               <a:rPr lang="es-PA" smtClean="0"/>
-              <a:t>06/30/2024</a:t>
+              <a:t>07/07/2024</a:t>
             </a:fld>
             <a:endParaRPr lang="es-PA"/>
           </a:p>
@@ -2655,23 +2655,23 @@
     </p:spTree>
     <p:extLst>
       <p:ext uri="{BB962C8B-B14F-4D97-AF65-F5344CB8AC3E}">
-        <p14:creationId xmlns:p14="http://schemas.microsoft.com/office/powerpoint/2010/main" val="2694246085"/>
+        <p14:creationId xmlns:p14="http://schemas.microsoft.com/office/powerpoint/2010/main" val="4037117503"/>
       </p:ext>
     </p:extLst>
   </p:cSld>
   <p:clrMap bg1="lt1" tx1="dk1" bg2="lt2" tx2="dk2" accent1="accent1" accent2="accent2" accent3="accent3" accent4="accent4" accent5="accent5" accent6="accent6" hlink="hlink" folHlink="folHlink"/>
   <p:sldLayoutIdLst>
-    <p:sldLayoutId id="2147483685" r:id="rId1"/>
-    <p:sldLayoutId id="2147483686" r:id="rId2"/>
-    <p:sldLayoutId id="2147483687" r:id="rId3"/>
-    <p:sldLayoutId id="2147483688" r:id="rId4"/>
-    <p:sldLayoutId id="2147483689" r:id="rId5"/>
-    <p:sldLayoutId id="2147483690" r:id="rId6"/>
-    <p:sldLayoutId id="2147483691" r:id="rId7"/>
-    <p:sldLayoutId id="2147483692" r:id="rId8"/>
-    <p:sldLayoutId id="2147483693" r:id="rId9"/>
-    <p:sldLayoutId id="2147483694" r:id="rId10"/>
-    <p:sldLayoutId id="2147483695" r:id="rId11"/>
+    <p:sldLayoutId id="2147483709" r:id="rId1"/>
+    <p:sldLayoutId id="2147483710" r:id="rId2"/>
+    <p:sldLayoutId id="2147483711" r:id="rId3"/>
+    <p:sldLayoutId id="2147483712" r:id="rId4"/>
+    <p:sldLayoutId id="2147483713" r:id="rId5"/>
+    <p:sldLayoutId id="2147483714" r:id="rId6"/>
+    <p:sldLayoutId id="2147483715" r:id="rId7"/>
+    <p:sldLayoutId id="2147483716" r:id="rId8"/>
+    <p:sldLayoutId id="2147483717" r:id="rId9"/>
+    <p:sldLayoutId id="2147483718" r:id="rId10"/>
+    <p:sldLayoutId id="2147483719" r:id="rId11"/>
   </p:sldLayoutIdLst>
   <p:txStyles>
     <p:titleStyle>
@@ -3001,8 +3001,218 @@
         </p:blipFill>
         <p:spPr>
           <a:xfrm>
-            <a:off x="-359834" y="1"/>
-            <a:ext cx="4320117" cy="6480175"/>
+            <a:off x="0" y="0"/>
+            <a:ext cx="3600450" cy="5615355"/>
+          </a:xfrm>
+          <a:prstGeom prst="rect">
+            <a:avLst/>
+          </a:prstGeom>
+        </p:spPr>
+      </p:pic>
+      <p:pic>
+        <p:nvPicPr>
+          <p:cNvPr id="2" name="Imagen 1">
+            <a:extLst>
+              <a:ext uri="{FF2B5EF4-FFF2-40B4-BE49-F238E27FC236}">
+                <a16:creationId xmlns:a16="http://schemas.microsoft.com/office/drawing/2014/main" id="{FD6C64DA-240D-E7B3-C634-1669E438597D}"/>
+              </a:ext>
+            </a:extLst>
+          </p:cNvPr>
+          <p:cNvPicPr>
+            <a:picLocks noChangeAspect="1"/>
+          </p:cNvPicPr>
+          <p:nvPr/>
+        </p:nvPicPr>
+        <p:blipFill rotWithShape="1">
+          <a:blip r:embed="rId2">
+            <a:extLst>
+              <a:ext uri="{28A0092B-C50C-407E-A947-70E740481C1C}">
+                <a14:useLocalDpi xmlns:a14="http://schemas.microsoft.com/office/drawing/2010/main" val="0"/>
+              </a:ext>
+            </a:extLst>
+          </a:blip>
+          <a:srcRect t="97011"/>
+          <a:stretch/>
+        </p:blipFill>
+        <p:spPr>
+          <a:xfrm>
+            <a:off x="0" y="5615355"/>
+            <a:ext cx="3600449" cy="167866"/>
+          </a:xfrm>
+          <a:prstGeom prst="rect">
+            <a:avLst/>
+          </a:prstGeom>
+        </p:spPr>
+      </p:pic>
+      <p:pic>
+        <p:nvPicPr>
+          <p:cNvPr id="4" name="Imagen 3">
+            <a:extLst>
+              <a:ext uri="{FF2B5EF4-FFF2-40B4-BE49-F238E27FC236}">
+                <a16:creationId xmlns:a16="http://schemas.microsoft.com/office/drawing/2014/main" id="{703607DD-ED37-071A-DFD1-DCED61519C33}"/>
+              </a:ext>
+            </a:extLst>
+          </p:cNvPr>
+          <p:cNvPicPr>
+            <a:picLocks noChangeAspect="1"/>
+          </p:cNvPicPr>
+          <p:nvPr/>
+        </p:nvPicPr>
+        <p:blipFill rotWithShape="1">
+          <a:blip r:embed="rId2">
+            <a:extLst>
+              <a:ext uri="{28A0092B-C50C-407E-A947-70E740481C1C}">
+                <a14:useLocalDpi xmlns:a14="http://schemas.microsoft.com/office/drawing/2010/main" val="0"/>
+              </a:ext>
+            </a:extLst>
+          </a:blip>
+          <a:srcRect t="97011"/>
+          <a:stretch/>
+        </p:blipFill>
+        <p:spPr>
+          <a:xfrm>
+            <a:off x="-1" y="5783221"/>
+            <a:ext cx="3600449" cy="167866"/>
+          </a:xfrm>
+          <a:prstGeom prst="rect">
+            <a:avLst/>
+          </a:prstGeom>
+        </p:spPr>
+      </p:pic>
+      <p:pic>
+        <p:nvPicPr>
+          <p:cNvPr id="5" name="Imagen 4">
+            <a:extLst>
+              <a:ext uri="{FF2B5EF4-FFF2-40B4-BE49-F238E27FC236}">
+                <a16:creationId xmlns:a16="http://schemas.microsoft.com/office/drawing/2014/main" id="{F1DC99F8-68F5-1C90-E8AB-0080A267A866}"/>
+              </a:ext>
+            </a:extLst>
+          </p:cNvPr>
+          <p:cNvPicPr>
+            <a:picLocks noChangeAspect="1"/>
+          </p:cNvPicPr>
+          <p:nvPr/>
+        </p:nvPicPr>
+        <p:blipFill rotWithShape="1">
+          <a:blip r:embed="rId2">
+            <a:extLst>
+              <a:ext uri="{28A0092B-C50C-407E-A947-70E740481C1C}">
+                <a14:useLocalDpi xmlns:a14="http://schemas.microsoft.com/office/drawing/2010/main" val="0"/>
+              </a:ext>
+            </a:extLst>
+          </a:blip>
+          <a:srcRect t="97011"/>
+          <a:stretch/>
+        </p:blipFill>
+        <p:spPr>
+          <a:xfrm>
+            <a:off x="1" y="5951087"/>
+            <a:ext cx="3600449" cy="167866"/>
+          </a:xfrm>
+          <a:prstGeom prst="rect">
+            <a:avLst/>
+          </a:prstGeom>
+        </p:spPr>
+      </p:pic>
+      <p:pic>
+        <p:nvPicPr>
+          <p:cNvPr id="6" name="Imagen 5">
+            <a:extLst>
+              <a:ext uri="{FF2B5EF4-FFF2-40B4-BE49-F238E27FC236}">
+                <a16:creationId xmlns:a16="http://schemas.microsoft.com/office/drawing/2014/main" id="{7483D502-CC23-59E6-76D6-33F2A581A9EA}"/>
+              </a:ext>
+            </a:extLst>
+          </p:cNvPr>
+          <p:cNvPicPr>
+            <a:picLocks noChangeAspect="1"/>
+          </p:cNvPicPr>
+          <p:nvPr/>
+        </p:nvPicPr>
+        <p:blipFill rotWithShape="1">
+          <a:blip r:embed="rId2">
+            <a:extLst>
+              <a:ext uri="{28A0092B-C50C-407E-A947-70E740481C1C}">
+                <a14:useLocalDpi xmlns:a14="http://schemas.microsoft.com/office/drawing/2010/main" val="0"/>
+              </a:ext>
+            </a:extLst>
+          </a:blip>
+          <a:srcRect t="97011"/>
+          <a:stretch/>
+        </p:blipFill>
+        <p:spPr>
+          <a:xfrm>
+            <a:off x="-2" y="6118953"/>
+            <a:ext cx="3600449" cy="167866"/>
+          </a:xfrm>
+          <a:prstGeom prst="rect">
+            <a:avLst/>
+          </a:prstGeom>
+        </p:spPr>
+      </p:pic>
+      <p:pic>
+        <p:nvPicPr>
+          <p:cNvPr id="7" name="Imagen 6">
+            <a:extLst>
+              <a:ext uri="{FF2B5EF4-FFF2-40B4-BE49-F238E27FC236}">
+                <a16:creationId xmlns:a16="http://schemas.microsoft.com/office/drawing/2014/main" id="{8C05B4C8-FEAF-8AEA-8670-211AD64C1AF6}"/>
+              </a:ext>
+            </a:extLst>
+          </p:cNvPr>
+          <p:cNvPicPr>
+            <a:picLocks noChangeAspect="1"/>
+          </p:cNvPicPr>
+          <p:nvPr/>
+        </p:nvPicPr>
+        <p:blipFill rotWithShape="1">
+          <a:blip r:embed="rId2">
+            <a:extLst>
+              <a:ext uri="{28A0092B-C50C-407E-A947-70E740481C1C}">
+                <a14:useLocalDpi xmlns:a14="http://schemas.microsoft.com/office/drawing/2010/main" val="0"/>
+              </a:ext>
+            </a:extLst>
+          </a:blip>
+          <a:srcRect t="97011"/>
+          <a:stretch/>
+        </p:blipFill>
+        <p:spPr>
+          <a:xfrm>
+            <a:off x="1" y="6256694"/>
+            <a:ext cx="3600449" cy="167866"/>
+          </a:xfrm>
+          <a:prstGeom prst="rect">
+            <a:avLst/>
+          </a:prstGeom>
+        </p:spPr>
+      </p:pic>
+      <p:pic>
+        <p:nvPicPr>
+          <p:cNvPr id="8" name="Imagen 7">
+            <a:extLst>
+              <a:ext uri="{FF2B5EF4-FFF2-40B4-BE49-F238E27FC236}">
+                <a16:creationId xmlns:a16="http://schemas.microsoft.com/office/drawing/2014/main" id="{D69FBAB5-91E8-2707-0652-2A8ED82F281F}"/>
+              </a:ext>
+            </a:extLst>
+          </p:cNvPr>
+          <p:cNvPicPr>
+            <a:picLocks noChangeAspect="1"/>
+          </p:cNvPicPr>
+          <p:nvPr/>
+        </p:nvPicPr>
+        <p:blipFill rotWithShape="1">
+          <a:blip r:embed="rId2">
+            <a:extLst>
+              <a:ext uri="{28A0092B-C50C-407E-A947-70E740481C1C}">
+                <a14:useLocalDpi xmlns:a14="http://schemas.microsoft.com/office/drawing/2010/main" val="0"/>
+              </a:ext>
+            </a:extLst>
+          </a:blip>
+          <a:srcRect t="97011"/>
+          <a:stretch/>
+        </p:blipFill>
+        <p:spPr>
+          <a:xfrm>
+            <a:off x="-3" y="6383842"/>
+            <a:ext cx="3600449" cy="167866"/>
           </a:xfrm>
           <a:prstGeom prst="rect">
             <a:avLst/>
